--- a/Presentations/4_DependencyInjection.pptx
+++ b/Presentations/4_DependencyInjection.pptx
@@ -210,7 +210,7 @@
           <a:p>
             <a:fld id="{CAFBEB33-5C9B-4D64-BDCC-28EE72182984}" type="datetimeFigureOut">
               <a:rPr lang="da-DK" smtClean="0"/>
-              <a:t>15-08-2020</a:t>
+              <a:t>17-08-2020</a:t>
             </a:fld>
             <a:endParaRPr lang="da-DK"/>
           </a:p>
@@ -798,7 +798,7 @@
           <a:p>
             <a:fld id="{B15BDCF8-6BE6-4A24-AC1F-B3D1AD8DCEBB}" type="datetimeFigureOut">
               <a:rPr lang="en-DK" smtClean="0"/>
-              <a:t>08/15/2020</a:t>
+              <a:t>08/17/2020</a:t>
             </a:fld>
             <a:endParaRPr lang="en-DK"/>
           </a:p>
@@ -998,7 +998,7 @@
           <a:p>
             <a:fld id="{B15BDCF8-6BE6-4A24-AC1F-B3D1AD8DCEBB}" type="datetimeFigureOut">
               <a:rPr lang="en-DK" smtClean="0"/>
-              <a:t>08/15/2020</a:t>
+              <a:t>08/17/2020</a:t>
             </a:fld>
             <a:endParaRPr lang="en-DK"/>
           </a:p>
@@ -1208,7 +1208,7 @@
           <a:p>
             <a:fld id="{B15BDCF8-6BE6-4A24-AC1F-B3D1AD8DCEBB}" type="datetimeFigureOut">
               <a:rPr lang="en-DK" smtClean="0"/>
-              <a:t>08/15/2020</a:t>
+              <a:t>08/17/2020</a:t>
             </a:fld>
             <a:endParaRPr lang="en-DK"/>
           </a:p>
@@ -1408,7 +1408,7 @@
           <a:p>
             <a:fld id="{B15BDCF8-6BE6-4A24-AC1F-B3D1AD8DCEBB}" type="datetimeFigureOut">
               <a:rPr lang="en-DK" smtClean="0"/>
-              <a:t>08/15/2020</a:t>
+              <a:t>08/17/2020</a:t>
             </a:fld>
             <a:endParaRPr lang="en-DK"/>
           </a:p>
@@ -1684,7 +1684,7 @@
           <a:p>
             <a:fld id="{B15BDCF8-6BE6-4A24-AC1F-B3D1AD8DCEBB}" type="datetimeFigureOut">
               <a:rPr lang="en-DK" smtClean="0"/>
-              <a:t>08/15/2020</a:t>
+              <a:t>08/17/2020</a:t>
             </a:fld>
             <a:endParaRPr lang="en-DK"/>
           </a:p>
@@ -1952,7 +1952,7 @@
           <a:p>
             <a:fld id="{B15BDCF8-6BE6-4A24-AC1F-B3D1AD8DCEBB}" type="datetimeFigureOut">
               <a:rPr lang="en-DK" smtClean="0"/>
-              <a:t>08/15/2020</a:t>
+              <a:t>08/17/2020</a:t>
             </a:fld>
             <a:endParaRPr lang="en-DK"/>
           </a:p>
@@ -2367,7 +2367,7 @@
           <a:p>
             <a:fld id="{B15BDCF8-6BE6-4A24-AC1F-B3D1AD8DCEBB}" type="datetimeFigureOut">
               <a:rPr lang="en-DK" smtClean="0"/>
-              <a:t>08/15/2020</a:t>
+              <a:t>08/17/2020</a:t>
             </a:fld>
             <a:endParaRPr lang="en-DK"/>
           </a:p>
@@ -2509,7 +2509,7 @@
           <a:p>
             <a:fld id="{B15BDCF8-6BE6-4A24-AC1F-B3D1AD8DCEBB}" type="datetimeFigureOut">
               <a:rPr lang="en-DK" smtClean="0"/>
-              <a:t>08/15/2020</a:t>
+              <a:t>08/17/2020</a:t>
             </a:fld>
             <a:endParaRPr lang="en-DK"/>
           </a:p>
@@ -2622,7 +2622,7 @@
           <a:p>
             <a:fld id="{B15BDCF8-6BE6-4A24-AC1F-B3D1AD8DCEBB}" type="datetimeFigureOut">
               <a:rPr lang="en-DK" smtClean="0"/>
-              <a:t>08/15/2020</a:t>
+              <a:t>08/17/2020</a:t>
             </a:fld>
             <a:endParaRPr lang="en-DK"/>
           </a:p>
@@ -2935,7 +2935,7 @@
           <a:p>
             <a:fld id="{B15BDCF8-6BE6-4A24-AC1F-B3D1AD8DCEBB}" type="datetimeFigureOut">
               <a:rPr lang="en-DK" smtClean="0"/>
-              <a:t>08/15/2020</a:t>
+              <a:t>08/17/2020</a:t>
             </a:fld>
             <a:endParaRPr lang="en-DK"/>
           </a:p>
@@ -3224,7 +3224,7 @@
           <a:p>
             <a:fld id="{B15BDCF8-6BE6-4A24-AC1F-B3D1AD8DCEBB}" type="datetimeFigureOut">
               <a:rPr lang="en-DK" smtClean="0"/>
-              <a:t>08/15/2020</a:t>
+              <a:t>08/17/2020</a:t>
             </a:fld>
             <a:endParaRPr lang="en-DK"/>
           </a:p>
@@ -3467,7 +3467,7 @@
           <a:p>
             <a:fld id="{B15BDCF8-6BE6-4A24-AC1F-B3D1AD8DCEBB}" type="datetimeFigureOut">
               <a:rPr lang="en-DK" smtClean="0"/>
-              <a:t>08/15/2020</a:t>
+              <a:t>08/17/2020</a:t>
             </a:fld>
             <a:endParaRPr lang="en-DK"/>
           </a:p>
@@ -3982,7 +3982,7 @@
         </p:nvSpPr>
         <p:spPr>
           <a:xfrm>
-            <a:off x="1524000" y="3613576"/>
+            <a:off x="1524000" y="3569448"/>
             <a:ext cx="9144000" cy="1004606"/>
           </a:xfrm>
         </p:spPr>
@@ -3994,202 +3994,202 @@
           <a:p>
             <a:pPr algn="l"/>
             <a:r>
-              <a:rPr lang="en-US" sz="1600" dirty="0" err="1"/>
+              <a:rPr lang="en-US" sz="1800" dirty="0" err="1"/>
               <a:t>Redegør</a:t>
             </a:r>
             <a:r>
-              <a:rPr lang="en-US" sz="1600" dirty="0"/>
+              <a:rPr lang="en-US" sz="1800" dirty="0"/>
               <a:t> for </a:t>
             </a:r>
             <a:r>
-              <a:rPr lang="en-US" sz="1600" dirty="0" err="1"/>
+              <a:rPr lang="en-US" sz="1800" dirty="0" err="1"/>
               <a:t>begrebet</a:t>
             </a:r>
             <a:r>
-              <a:rPr lang="en-US" sz="1600" dirty="0"/>
+              <a:rPr lang="en-US" sz="1800" dirty="0"/>
               <a:t> dependency injection </a:t>
             </a:r>
             <a:r>
-              <a:rPr lang="en-US" sz="1600" dirty="0" err="1"/>
+              <a:rPr lang="en-US" sz="1800" dirty="0" err="1"/>
               <a:t>og</a:t>
             </a:r>
             <a:r>
-              <a:rPr lang="en-US" sz="1600" dirty="0"/>
+              <a:rPr lang="en-US" sz="1800" dirty="0"/>
               <a:t> </a:t>
             </a:r>
             <a:r>
-              <a:rPr lang="en-US" sz="1600" dirty="0" err="1"/>
+              <a:rPr lang="en-US" sz="1800" dirty="0" err="1"/>
               <a:t>brugen</a:t>
             </a:r>
             <a:r>
-              <a:rPr lang="en-US" sz="1600" dirty="0"/>
+              <a:rPr lang="en-US" sz="1800" dirty="0"/>
               <a:t> </a:t>
             </a:r>
             <a:r>
-              <a:rPr lang="en-US" sz="1600" dirty="0" err="1"/>
+              <a:rPr lang="en-US" sz="1800" dirty="0" err="1"/>
               <a:t>af</a:t>
             </a:r>
             <a:r>
-              <a:rPr lang="en-US" sz="1600" dirty="0"/>
+              <a:rPr lang="en-US" sz="1800" dirty="0"/>
               <a:t> </a:t>
             </a:r>
             <a:r>
-              <a:rPr lang="en-US" sz="1600" dirty="0" err="1"/>
+              <a:rPr lang="en-US" sz="1800" dirty="0" err="1"/>
               <a:t>IoC-containere</a:t>
             </a:r>
             <a:r>
-              <a:rPr lang="en-US" sz="1600" dirty="0"/>
+              <a:rPr lang="en-US" sz="1800" dirty="0"/>
               <a:t>.</a:t>
             </a:r>
             <a:r>
-              <a:rPr lang="en-DK" sz="1600" dirty="0"/>
+              <a:rPr lang="en-DK" sz="1800" dirty="0"/>
               <a:t>  </a:t>
             </a:r>
             <a:r>
-              <a:rPr lang="en-US" sz="1600" dirty="0" err="1"/>
+              <a:rPr lang="en-US" sz="1800" dirty="0" err="1"/>
               <a:t>Giv</a:t>
             </a:r>
             <a:r>
-              <a:rPr lang="en-US" sz="1600" dirty="0"/>
+              <a:rPr lang="en-US" sz="1800" dirty="0"/>
               <a:t> et </a:t>
             </a:r>
             <a:r>
-              <a:rPr lang="en-US" sz="1600" dirty="0" err="1"/>
+              <a:rPr lang="en-US" sz="1800" dirty="0" err="1"/>
               <a:t>overblik</a:t>
             </a:r>
             <a:r>
-              <a:rPr lang="en-US" sz="1600" dirty="0"/>
+              <a:rPr lang="en-US" sz="1800" dirty="0"/>
               <a:t> over </a:t>
             </a:r>
             <a:r>
-              <a:rPr lang="en-US" sz="1600" dirty="0" err="1"/>
+              <a:rPr lang="en-US" sz="1800" dirty="0" err="1"/>
               <a:t>Microsofts</a:t>
             </a:r>
             <a:r>
-              <a:rPr lang="en-US" sz="1600" dirty="0"/>
+              <a:rPr lang="en-US" sz="1800" dirty="0"/>
               <a:t> </a:t>
             </a:r>
             <a:r>
-              <a:rPr lang="en-US" sz="1600" dirty="0" err="1"/>
+              <a:rPr lang="en-US" sz="1800" dirty="0" err="1"/>
               <a:t>forskellige</a:t>
             </a:r>
             <a:r>
-              <a:rPr lang="en-DK" sz="1600" dirty="0"/>
+              <a:rPr lang="en-DK" sz="1800" dirty="0"/>
               <a:t> </a:t>
             </a:r>
             <a:r>
-              <a:rPr lang="en-US" sz="1600" dirty="0"/>
+              <a:rPr lang="en-US" sz="1800" dirty="0"/>
               <a:t>dependency injection</a:t>
             </a:r>
             <a:r>
-              <a:rPr lang="en-DK" sz="1600" dirty="0"/>
+              <a:rPr lang="en-DK" sz="1800" dirty="0"/>
               <a:t> </a:t>
             </a:r>
             <a:r>
-              <a:rPr lang="en-US" sz="1600" dirty="0" err="1"/>
+              <a:rPr lang="en-US" sz="1800" dirty="0" err="1"/>
               <a:t>og</a:t>
             </a:r>
             <a:r>
-              <a:rPr lang="en-US" sz="1600" dirty="0"/>
+              <a:rPr lang="en-US" sz="1800" dirty="0"/>
               <a:t>/</a:t>
             </a:r>
             <a:r>
-              <a:rPr lang="en-US" sz="1600" dirty="0" err="1"/>
+              <a:rPr lang="en-US" sz="1800" dirty="0" err="1"/>
               <a:t>eller</a:t>
             </a:r>
             <a:r>
-              <a:rPr lang="en-DK" sz="1600" dirty="0"/>
+              <a:rPr lang="en-DK" sz="1800" dirty="0"/>
               <a:t> </a:t>
             </a:r>
             <a:r>
-              <a:rPr lang="en-US" sz="1600" dirty="0"/>
+              <a:rPr lang="en-US" sz="1800" dirty="0"/>
               <a:t>Extensibility Frameworks.</a:t>
             </a:r>
             <a:r>
-              <a:rPr lang="en-DK" sz="1600" dirty="0"/>
+              <a:rPr lang="en-DK" sz="1800" dirty="0"/>
               <a:t> </a:t>
             </a:r>
             <a:r>
-              <a:rPr lang="en-US" sz="1600" dirty="0" err="1"/>
+              <a:rPr lang="en-US" sz="1800" dirty="0" err="1"/>
               <a:t>Redegør</a:t>
             </a:r>
             <a:r>
-              <a:rPr lang="en-US" sz="1600" dirty="0"/>
+              <a:rPr lang="en-US" sz="1800" dirty="0"/>
               <a:t> for de</a:t>
             </a:r>
             <a:r>
-              <a:rPr lang="en-DK" sz="1600" dirty="0"/>
+              <a:rPr lang="en-DK" sz="1800" dirty="0"/>
               <a:t> </a:t>
             </a:r>
             <a:r>
-              <a:rPr lang="en-US" sz="1600" dirty="0" err="1"/>
+              <a:rPr lang="en-US" sz="1800" dirty="0" err="1"/>
               <a:t>grundlæggende</a:t>
             </a:r>
             <a:r>
-              <a:rPr lang="en-US" sz="1600" dirty="0"/>
+              <a:rPr lang="en-US" sz="1800" dirty="0"/>
               <a:t> </a:t>
             </a:r>
             <a:r>
-              <a:rPr lang="en-US" sz="1600" dirty="0" err="1"/>
+              <a:rPr lang="en-US" sz="1800" dirty="0" err="1"/>
               <a:t>begreber</a:t>
             </a:r>
             <a:r>
-              <a:rPr lang="en-US" sz="1600" dirty="0"/>
+              <a:rPr lang="en-US" sz="1800" dirty="0"/>
               <a:t> </a:t>
             </a:r>
             <a:r>
-              <a:rPr lang="en-US" sz="1600" dirty="0" err="1"/>
+              <a:rPr lang="en-US" sz="1800" dirty="0" err="1"/>
               <a:t>i</a:t>
             </a:r>
             <a:r>
-              <a:rPr lang="en-US" sz="1600" dirty="0"/>
+              <a:rPr lang="en-US" sz="1800" dirty="0"/>
               <a:t> MEF</a:t>
             </a:r>
             <a:r>
-              <a:rPr lang="en-DK" sz="1600" dirty="0"/>
+              <a:rPr lang="en-DK" sz="1800" dirty="0"/>
               <a:t> </a:t>
             </a:r>
             <a:r>
-              <a:rPr lang="en-US" sz="1600" dirty="0" err="1"/>
+              <a:rPr lang="en-US" sz="1800" dirty="0" err="1"/>
               <a:t>og</a:t>
             </a:r>
             <a:r>
-              <a:rPr lang="en-US" sz="1600" dirty="0"/>
+              <a:rPr lang="en-US" sz="1800" dirty="0"/>
               <a:t> vis et </a:t>
             </a:r>
             <a:r>
-              <a:rPr lang="en-US" sz="1600" dirty="0" err="1"/>
+              <a:rPr lang="en-US" sz="1800" dirty="0" err="1"/>
               <a:t>eksempelpå</a:t>
             </a:r>
             <a:r>
-              <a:rPr lang="en-US" sz="1600" dirty="0"/>
+              <a:rPr lang="en-US" sz="1800" dirty="0"/>
               <a:t> </a:t>
             </a:r>
             <a:r>
-              <a:rPr lang="en-US" sz="1600" dirty="0" err="1"/>
+              <a:rPr lang="en-US" sz="1800" dirty="0" err="1"/>
               <a:t>brug</a:t>
             </a:r>
             <a:r>
-              <a:rPr lang="en-US" sz="1600" dirty="0"/>
+              <a:rPr lang="en-US" sz="1800" dirty="0"/>
               <a:t> </a:t>
             </a:r>
             <a:r>
-              <a:rPr lang="en-US" sz="1600" dirty="0" err="1"/>
+              <a:rPr lang="en-US" sz="1800" dirty="0" err="1"/>
               <a:t>af</a:t>
             </a:r>
             <a:r>
-              <a:rPr lang="en-US" sz="1600" dirty="0"/>
+              <a:rPr lang="en-US" sz="1800" dirty="0"/>
               <a:t> MEF </a:t>
             </a:r>
             <a:r>
-              <a:rPr lang="en-US" sz="1600" dirty="0" err="1"/>
+              <a:rPr lang="en-US" sz="1800" dirty="0" err="1"/>
               <a:t>eller</a:t>
             </a:r>
             <a:r>
-              <a:rPr lang="en-US" sz="1600" dirty="0"/>
+              <a:rPr lang="en-US" sz="1800" dirty="0"/>
               <a:t> Unity.</a:t>
             </a:r>
-            <a:endParaRPr lang="en-DK" sz="1600" dirty="0"/>
+            <a:endParaRPr lang="en-DK" sz="1800" dirty="0"/>
           </a:p>
         </p:txBody>
       </p:sp>
@@ -6524,37 +6524,183 @@
           <a:lstStyle/>
           <a:p>
             <a:r>
-              <a:rPr lang="da-DK" sz="2400">
+              <a:rPr lang="da-DK" sz="2400" dirty="0">
                 <a:solidFill>
                   <a:schemeClr val="bg1"/>
                 </a:solidFill>
               </a:rPr>
-              <a:t>I nogen tilfælde er det ikke muligt at lave en manuel dependency inejction</a:t>
-            </a:r>
-          </a:p>
-          <a:p>
-            <a:r>
-              <a:rPr lang="da-DK" sz="2400">
+              <a:t>I nogle tilfælde er det ikke muligt at lave en manuel </a:t>
+            </a:r>
+            <a:r>
+              <a:rPr lang="da-DK" sz="2400" dirty="0" err="1">
                 <a:solidFill>
                   <a:schemeClr val="bg1"/>
                 </a:solidFill>
               </a:rPr>
-              <a:t>Derfor er der mulighed for at bruge IoC Container, altså Dependency injection frameworks.</a:t>
-            </a:r>
-          </a:p>
-          <a:p>
-            <a:r>
-              <a:rPr lang="da-DK" sz="2400">
+              <a:t>dependency</a:t>
+            </a:r>
+            <a:r>
+              <a:rPr lang="da-DK" sz="2400" dirty="0">
                 <a:solidFill>
                   <a:schemeClr val="bg1"/>
                 </a:solidFill>
               </a:rPr>
-              <a:t>IoC containere har til ansvar at stå for automatisk dependency injection. Eks- via constructor injection</a:t>
-            </a:r>
-          </a:p>
-          <a:p>
-            <a:r>
-              <a:rPr lang="da-DK" sz="2400">
+              <a:t> </a:t>
+            </a:r>
+            <a:r>
+              <a:rPr lang="da-DK" sz="2400" dirty="0" err="1">
+                <a:solidFill>
+                  <a:schemeClr val="bg1"/>
+                </a:solidFill>
+              </a:rPr>
+              <a:t>inejction</a:t>
+            </a:r>
+            <a:endParaRPr lang="da-DK" sz="2400" dirty="0">
+              <a:solidFill>
+                <a:schemeClr val="bg1"/>
+              </a:solidFill>
+            </a:endParaRPr>
+          </a:p>
+          <a:p>
+            <a:r>
+              <a:rPr lang="da-DK" sz="2400" dirty="0">
+                <a:solidFill>
+                  <a:schemeClr val="bg1"/>
+                </a:solidFill>
+              </a:rPr>
+              <a:t>Derfor er der mulighed for at bruge </a:t>
+            </a:r>
+            <a:r>
+              <a:rPr lang="da-DK" sz="2400" dirty="0" err="1">
+                <a:solidFill>
+                  <a:schemeClr val="bg1"/>
+                </a:solidFill>
+              </a:rPr>
+              <a:t>IoC</a:t>
+            </a:r>
+            <a:r>
+              <a:rPr lang="da-DK" sz="2400" dirty="0">
+                <a:solidFill>
+                  <a:schemeClr val="bg1"/>
+                </a:solidFill>
+              </a:rPr>
+              <a:t> Container, altså </a:t>
+            </a:r>
+            <a:r>
+              <a:rPr lang="da-DK" sz="2400" dirty="0" err="1">
+                <a:solidFill>
+                  <a:schemeClr val="bg1"/>
+                </a:solidFill>
+              </a:rPr>
+              <a:t>Dependency</a:t>
+            </a:r>
+            <a:r>
+              <a:rPr lang="da-DK" sz="2400" dirty="0">
+                <a:solidFill>
+                  <a:schemeClr val="bg1"/>
+                </a:solidFill>
+              </a:rPr>
+              <a:t> </a:t>
+            </a:r>
+            <a:r>
+              <a:rPr lang="da-DK" sz="2400" dirty="0" err="1">
+                <a:solidFill>
+                  <a:schemeClr val="bg1"/>
+                </a:solidFill>
+              </a:rPr>
+              <a:t>injection</a:t>
+            </a:r>
+            <a:r>
+              <a:rPr lang="da-DK" sz="2400" dirty="0">
+                <a:solidFill>
+                  <a:schemeClr val="bg1"/>
+                </a:solidFill>
+              </a:rPr>
+              <a:t> frameworks.</a:t>
+            </a:r>
+          </a:p>
+          <a:p>
+            <a:r>
+              <a:rPr lang="da-DK" sz="2400" dirty="0" err="1">
+                <a:solidFill>
+                  <a:schemeClr val="bg1"/>
+                </a:solidFill>
+              </a:rPr>
+              <a:t>IoC</a:t>
+            </a:r>
+            <a:r>
+              <a:rPr lang="da-DK" sz="2400" dirty="0">
+                <a:solidFill>
+                  <a:schemeClr val="bg1"/>
+                </a:solidFill>
+              </a:rPr>
+              <a:t> containere har til ansvar at stå for automatisk </a:t>
+            </a:r>
+            <a:r>
+              <a:rPr lang="da-DK" sz="2400" dirty="0" err="1">
+                <a:solidFill>
+                  <a:schemeClr val="bg1"/>
+                </a:solidFill>
+              </a:rPr>
+              <a:t>dependency</a:t>
+            </a:r>
+            <a:r>
+              <a:rPr lang="da-DK" sz="2400" dirty="0">
+                <a:solidFill>
+                  <a:schemeClr val="bg1"/>
+                </a:solidFill>
+              </a:rPr>
+              <a:t> </a:t>
+            </a:r>
+            <a:r>
+              <a:rPr lang="da-DK" sz="2400" dirty="0" err="1">
+                <a:solidFill>
+                  <a:schemeClr val="bg1"/>
+                </a:solidFill>
+              </a:rPr>
+              <a:t>injection</a:t>
+            </a:r>
+            <a:r>
+              <a:rPr lang="da-DK" sz="2400" dirty="0">
+                <a:solidFill>
+                  <a:schemeClr val="bg1"/>
+                </a:solidFill>
+              </a:rPr>
+              <a:t>. Eks- via </a:t>
+            </a:r>
+            <a:r>
+              <a:rPr lang="da-DK" sz="2400" dirty="0" err="1">
+                <a:solidFill>
+                  <a:schemeClr val="bg1"/>
+                </a:solidFill>
+              </a:rPr>
+              <a:t>constructor</a:t>
+            </a:r>
+            <a:r>
+              <a:rPr lang="da-DK" sz="2400" dirty="0">
+                <a:solidFill>
+                  <a:schemeClr val="bg1"/>
+                </a:solidFill>
+              </a:rPr>
+              <a:t> </a:t>
+            </a:r>
+            <a:r>
+              <a:rPr lang="da-DK" sz="2400" dirty="0" err="1">
+                <a:solidFill>
+                  <a:schemeClr val="bg1"/>
+                </a:solidFill>
+              </a:rPr>
+              <a:t>injection</a:t>
+            </a:r>
+            <a:endParaRPr lang="da-DK" sz="2400" dirty="0">
+              <a:solidFill>
+                <a:schemeClr val="bg1"/>
+              </a:solidFill>
+            </a:endParaRPr>
+          </a:p>
+          <a:p>
+            <a:r>
+              <a:rPr lang="da-DK" sz="2400" dirty="0">
                 <a:solidFill>
                   <a:schemeClr val="bg1"/>
                 </a:solidFill>
@@ -6564,17 +6710,30 @@
           </a:p>
           <a:p>
             <a:r>
-              <a:rPr lang="da-DK" sz="2400">
+              <a:rPr lang="da-DK" sz="2400" dirty="0">
                 <a:solidFill>
                   <a:schemeClr val="bg1"/>
                 </a:solidFill>
               </a:rPr>
-              <a:t>Alt sker i runtime</a:t>
-            </a:r>
-          </a:p>
-          <a:p>
-            <a:r>
-              <a:rPr lang="da-DK" sz="2400">
+              <a:t>Alt sker i </a:t>
+            </a:r>
+            <a:r>
+              <a:rPr lang="da-DK" sz="2400" dirty="0" err="1">
+                <a:solidFill>
+                  <a:schemeClr val="bg1"/>
+                </a:solidFill>
+              </a:rPr>
+              <a:t>runtime</a:t>
+            </a:r>
+            <a:endParaRPr lang="da-DK" sz="2400" dirty="0">
+              <a:solidFill>
+                <a:schemeClr val="bg1"/>
+              </a:solidFill>
+            </a:endParaRPr>
+          </a:p>
+          <a:p>
+            <a:r>
+              <a:rPr lang="da-DK" sz="2400" dirty="0">
                 <a:solidFill>
                   <a:schemeClr val="bg1"/>
                 </a:solidFill>

--- a/Presentations/4_DependencyInjection.pptx
+++ b/Presentations/4_DependencyInjection.pptx
@@ -7316,43 +7316,122 @@
           <a:lstStyle/>
           <a:p>
             <a:r>
-              <a:rPr lang="da-DK" sz="2400"/>
-              <a:t>Er alle Dependency Injection frameworks</a:t>
-            </a:r>
-          </a:p>
-          <a:p>
-            <a:r>
-              <a:rPr lang="da-DK" sz="2400"/>
-              <a:t>Unity var tidliger et Microsoft framework men er nu opensource</a:t>
-            </a:r>
-          </a:p>
-          <a:p>
-            <a:r>
-              <a:rPr lang="da-DK" sz="2400"/>
+              <a:rPr lang="da-DK" sz="2400" dirty="0"/>
+              <a:t>Begge er </a:t>
+            </a:r>
+            <a:r>
+              <a:rPr lang="da-DK" sz="2400" dirty="0" err="1"/>
+              <a:t>Dependency</a:t>
+            </a:r>
+            <a:r>
+              <a:rPr lang="da-DK" sz="2400" dirty="0"/>
+              <a:t> </a:t>
+            </a:r>
+            <a:r>
+              <a:rPr lang="da-DK" sz="2400" dirty="0" err="1"/>
+              <a:t>Injection</a:t>
+            </a:r>
+            <a:r>
+              <a:rPr lang="da-DK" sz="2400" dirty="0"/>
+              <a:t> frameworks</a:t>
+            </a:r>
+          </a:p>
+          <a:p>
+            <a:r>
+              <a:rPr lang="da-DK" sz="2400" dirty="0" err="1"/>
+              <a:t>Unity</a:t>
+            </a:r>
+            <a:r>
+              <a:rPr lang="da-DK" sz="2400" dirty="0"/>
+              <a:t> var </a:t>
+            </a:r>
+            <a:r>
+              <a:rPr lang="da-DK" sz="2400" dirty="0" err="1"/>
+              <a:t>tidliger</a:t>
+            </a:r>
+            <a:r>
+              <a:rPr lang="da-DK" sz="2400" dirty="0"/>
+              <a:t> et Microsoft framework men er nu </a:t>
+            </a:r>
+            <a:r>
+              <a:rPr lang="da-DK" sz="2400" dirty="0" err="1"/>
+              <a:t>opensource</a:t>
+            </a:r>
+            <a:endParaRPr lang="da-DK" sz="2400" dirty="0"/>
+          </a:p>
+          <a:p>
+            <a:r>
+              <a:rPr lang="da-DK" sz="2400" dirty="0"/>
               <a:t>MEF er stadig et Microsoft framework.</a:t>
             </a:r>
           </a:p>
           <a:p>
             <a:r>
-              <a:rPr lang="da-DK" sz="2400"/>
-              <a:t>UNITY kan udføre automatisk og manuel konfigurering af dependency injection</a:t>
-            </a:r>
-          </a:p>
-          <a:p>
-            <a:r>
-              <a:rPr lang="da-DK" sz="2400"/>
-              <a:t>MEF skaber dependencies via compossition</a:t>
-            </a:r>
-          </a:p>
-          <a:p>
-            <a:r>
-              <a:rPr lang="da-DK" sz="2400"/>
-              <a:t>Det sker via importering og exportering af typer</a:t>
-            </a:r>
-          </a:p>
-          <a:p>
-            <a:r>
-              <a:rPr lang="da-DK" sz="2400"/>
+              <a:rPr lang="da-DK" sz="2400" dirty="0" err="1"/>
+              <a:t>Unity</a:t>
+            </a:r>
+            <a:r>
+              <a:rPr lang="da-DK" sz="2400" dirty="0"/>
+              <a:t> kan udføre automatisk og manuel konfigurering af </a:t>
+            </a:r>
+            <a:r>
+              <a:rPr lang="da-DK" sz="2400" dirty="0" err="1"/>
+              <a:t>dependency</a:t>
+            </a:r>
+            <a:r>
+              <a:rPr lang="da-DK" sz="2400" dirty="0"/>
+              <a:t> </a:t>
+            </a:r>
+            <a:r>
+              <a:rPr lang="da-DK" sz="2400" dirty="0" err="1"/>
+              <a:t>injection</a:t>
+            </a:r>
+            <a:endParaRPr lang="da-DK" sz="2400" dirty="0"/>
+          </a:p>
+          <a:p>
+            <a:r>
+              <a:rPr lang="da-DK" sz="2400" dirty="0"/>
+              <a:t>MEF skaber </a:t>
+            </a:r>
+            <a:r>
+              <a:rPr lang="da-DK" sz="2400" dirty="0" err="1"/>
+              <a:t>dependencies</a:t>
+            </a:r>
+            <a:r>
+              <a:rPr lang="da-DK" sz="2400" dirty="0"/>
+              <a:t> via </a:t>
+            </a:r>
+            <a:r>
+              <a:rPr lang="da-DK" sz="2400" dirty="0" err="1"/>
+              <a:t>compossition</a:t>
+            </a:r>
+            <a:endParaRPr lang="da-DK" sz="2400" dirty="0"/>
+          </a:p>
+          <a:p>
+            <a:r>
+              <a:rPr lang="da-DK" sz="2400" dirty="0"/>
+              <a:t>Det sker via </a:t>
+            </a:r>
+            <a:r>
+              <a:rPr lang="da-DK" sz="2400" dirty="0" err="1"/>
+              <a:t>importering</a:t>
+            </a:r>
+            <a:r>
+              <a:rPr lang="da-DK" sz="2400" dirty="0"/>
+              <a:t> og </a:t>
+            </a:r>
+            <a:r>
+              <a:rPr lang="da-DK" sz="2400" dirty="0" err="1"/>
+              <a:t>exportering</a:t>
+            </a:r>
+            <a:r>
+              <a:rPr lang="da-DK" sz="2400" dirty="0"/>
+              <a:t> af typer</a:t>
+            </a:r>
+          </a:p>
+          <a:p>
+            <a:r>
+              <a:rPr lang="da-DK" sz="2400" dirty="0"/>
               <a:t>Skrives som annotationer</a:t>
             </a:r>
           </a:p>

--- a/Presentations/4_DependencyInjection.pptx
+++ b/Presentations/4_DependencyInjection.pptx
@@ -210,7 +210,7 @@
           <a:p>
             <a:fld id="{CAFBEB33-5C9B-4D64-BDCC-28EE72182984}" type="datetimeFigureOut">
               <a:rPr lang="da-DK" smtClean="0"/>
-              <a:t>17-08-2020</a:t>
+              <a:t>19-08-2020</a:t>
             </a:fld>
             <a:endParaRPr lang="da-DK"/>
           </a:p>
@@ -798,7 +798,7 @@
           <a:p>
             <a:fld id="{B15BDCF8-6BE6-4A24-AC1F-B3D1AD8DCEBB}" type="datetimeFigureOut">
               <a:rPr lang="en-DK" smtClean="0"/>
-              <a:t>08/17/2020</a:t>
+              <a:t>08/19/2020</a:t>
             </a:fld>
             <a:endParaRPr lang="en-DK"/>
           </a:p>
@@ -998,7 +998,7 @@
           <a:p>
             <a:fld id="{B15BDCF8-6BE6-4A24-AC1F-B3D1AD8DCEBB}" type="datetimeFigureOut">
               <a:rPr lang="en-DK" smtClean="0"/>
-              <a:t>08/17/2020</a:t>
+              <a:t>08/19/2020</a:t>
             </a:fld>
             <a:endParaRPr lang="en-DK"/>
           </a:p>
@@ -1208,7 +1208,7 @@
           <a:p>
             <a:fld id="{B15BDCF8-6BE6-4A24-AC1F-B3D1AD8DCEBB}" type="datetimeFigureOut">
               <a:rPr lang="en-DK" smtClean="0"/>
-              <a:t>08/17/2020</a:t>
+              <a:t>08/19/2020</a:t>
             </a:fld>
             <a:endParaRPr lang="en-DK"/>
           </a:p>
@@ -1408,7 +1408,7 @@
           <a:p>
             <a:fld id="{B15BDCF8-6BE6-4A24-AC1F-B3D1AD8DCEBB}" type="datetimeFigureOut">
               <a:rPr lang="en-DK" smtClean="0"/>
-              <a:t>08/17/2020</a:t>
+              <a:t>08/19/2020</a:t>
             </a:fld>
             <a:endParaRPr lang="en-DK"/>
           </a:p>
@@ -1684,7 +1684,7 @@
           <a:p>
             <a:fld id="{B15BDCF8-6BE6-4A24-AC1F-B3D1AD8DCEBB}" type="datetimeFigureOut">
               <a:rPr lang="en-DK" smtClean="0"/>
-              <a:t>08/17/2020</a:t>
+              <a:t>08/19/2020</a:t>
             </a:fld>
             <a:endParaRPr lang="en-DK"/>
           </a:p>
@@ -1952,7 +1952,7 @@
           <a:p>
             <a:fld id="{B15BDCF8-6BE6-4A24-AC1F-B3D1AD8DCEBB}" type="datetimeFigureOut">
               <a:rPr lang="en-DK" smtClean="0"/>
-              <a:t>08/17/2020</a:t>
+              <a:t>08/19/2020</a:t>
             </a:fld>
             <a:endParaRPr lang="en-DK"/>
           </a:p>
@@ -2367,7 +2367,7 @@
           <a:p>
             <a:fld id="{B15BDCF8-6BE6-4A24-AC1F-B3D1AD8DCEBB}" type="datetimeFigureOut">
               <a:rPr lang="en-DK" smtClean="0"/>
-              <a:t>08/17/2020</a:t>
+              <a:t>08/19/2020</a:t>
             </a:fld>
             <a:endParaRPr lang="en-DK"/>
           </a:p>
@@ -2509,7 +2509,7 @@
           <a:p>
             <a:fld id="{B15BDCF8-6BE6-4A24-AC1F-B3D1AD8DCEBB}" type="datetimeFigureOut">
               <a:rPr lang="en-DK" smtClean="0"/>
-              <a:t>08/17/2020</a:t>
+              <a:t>08/19/2020</a:t>
             </a:fld>
             <a:endParaRPr lang="en-DK"/>
           </a:p>
@@ -2622,7 +2622,7 @@
           <a:p>
             <a:fld id="{B15BDCF8-6BE6-4A24-AC1F-B3D1AD8DCEBB}" type="datetimeFigureOut">
               <a:rPr lang="en-DK" smtClean="0"/>
-              <a:t>08/17/2020</a:t>
+              <a:t>08/19/2020</a:t>
             </a:fld>
             <a:endParaRPr lang="en-DK"/>
           </a:p>
@@ -2935,7 +2935,7 @@
           <a:p>
             <a:fld id="{B15BDCF8-6BE6-4A24-AC1F-B3D1AD8DCEBB}" type="datetimeFigureOut">
               <a:rPr lang="en-DK" smtClean="0"/>
-              <a:t>08/17/2020</a:t>
+              <a:t>08/19/2020</a:t>
             </a:fld>
             <a:endParaRPr lang="en-DK"/>
           </a:p>
@@ -3224,7 +3224,7 @@
           <a:p>
             <a:fld id="{B15BDCF8-6BE6-4A24-AC1F-B3D1AD8DCEBB}" type="datetimeFigureOut">
               <a:rPr lang="en-DK" smtClean="0"/>
-              <a:t>08/17/2020</a:t>
+              <a:t>08/19/2020</a:t>
             </a:fld>
             <a:endParaRPr lang="en-DK"/>
           </a:p>
@@ -3467,7 +3467,7 @@
           <a:p>
             <a:fld id="{B15BDCF8-6BE6-4A24-AC1F-B3D1AD8DCEBB}" type="datetimeFigureOut">
               <a:rPr lang="en-DK" smtClean="0"/>
-              <a:t>08/17/2020</a:t>
+              <a:t>08/19/2020</a:t>
             </a:fld>
             <a:endParaRPr lang="en-DK"/>
           </a:p>
@@ -4810,6 +4810,264 @@
           </a:p>
         </p:txBody>
       </p:sp>
+      <p:sp>
+        <p:nvSpPr>
+          <p:cNvPr id="4" name="Tekstfelt 3">
+            <a:extLst>
+              <a:ext uri="{FF2B5EF4-FFF2-40B4-BE49-F238E27FC236}">
+                <a16:creationId xmlns:a16="http://schemas.microsoft.com/office/drawing/2014/main" id="{1A7CBE9C-1BB4-4D9E-9F97-C92EE82571EC}"/>
+              </a:ext>
+            </a:extLst>
+          </p:cNvPr>
+          <p:cNvSpPr txBox="1"/>
+          <p:nvPr/>
+        </p:nvSpPr>
+        <p:spPr>
+          <a:xfrm>
+            <a:off x="8645899" y="547403"/>
+            <a:ext cx="1884106" cy="369332"/>
+          </a:xfrm>
+          <a:prstGeom prst="rect">
+            <a:avLst/>
+          </a:prstGeom>
+          <a:noFill/>
+        </p:spPr>
+        <p:txBody>
+          <a:bodyPr wrap="none" rtlCol="0">
+            <a:spAutoFit/>
+          </a:bodyPr>
+          <a:lstStyle>
+            <a:defPPr>
+              <a:defRPr lang="da-DK"/>
+            </a:defPPr>
+            <a:lvl1pPr marL="0" algn="l" defTabSz="914400" rtl="0" eaLnBrk="1" latinLnBrk="0" hangingPunct="1">
+              <a:defRPr sz="1800" kern="1200">
+                <a:solidFill>
+                  <a:schemeClr val="tx1"/>
+                </a:solidFill>
+                <a:latin typeface="+mn-lt"/>
+                <a:ea typeface="+mn-ea"/>
+                <a:cs typeface="+mn-cs"/>
+              </a:defRPr>
+            </a:lvl1pPr>
+            <a:lvl2pPr marL="457200" algn="l" defTabSz="914400" rtl="0" eaLnBrk="1" latinLnBrk="0" hangingPunct="1">
+              <a:defRPr sz="1800" kern="1200">
+                <a:solidFill>
+                  <a:schemeClr val="tx1"/>
+                </a:solidFill>
+                <a:latin typeface="+mn-lt"/>
+                <a:ea typeface="+mn-ea"/>
+                <a:cs typeface="+mn-cs"/>
+              </a:defRPr>
+            </a:lvl2pPr>
+            <a:lvl3pPr marL="914400" algn="l" defTabSz="914400" rtl="0" eaLnBrk="1" latinLnBrk="0" hangingPunct="1">
+              <a:defRPr sz="1800" kern="1200">
+                <a:solidFill>
+                  <a:schemeClr val="tx1"/>
+                </a:solidFill>
+                <a:latin typeface="+mn-lt"/>
+                <a:ea typeface="+mn-ea"/>
+                <a:cs typeface="+mn-cs"/>
+              </a:defRPr>
+            </a:lvl3pPr>
+            <a:lvl4pPr marL="1371600" algn="l" defTabSz="914400" rtl="0" eaLnBrk="1" latinLnBrk="0" hangingPunct="1">
+              <a:defRPr sz="1800" kern="1200">
+                <a:solidFill>
+                  <a:schemeClr val="tx1"/>
+                </a:solidFill>
+                <a:latin typeface="+mn-lt"/>
+                <a:ea typeface="+mn-ea"/>
+                <a:cs typeface="+mn-cs"/>
+              </a:defRPr>
+            </a:lvl4pPr>
+            <a:lvl5pPr marL="1828800" algn="l" defTabSz="914400" rtl="0" eaLnBrk="1" latinLnBrk="0" hangingPunct="1">
+              <a:defRPr sz="1800" kern="1200">
+                <a:solidFill>
+                  <a:schemeClr val="tx1"/>
+                </a:solidFill>
+                <a:latin typeface="+mn-lt"/>
+                <a:ea typeface="+mn-ea"/>
+                <a:cs typeface="+mn-cs"/>
+              </a:defRPr>
+            </a:lvl5pPr>
+            <a:lvl6pPr marL="2286000" algn="l" defTabSz="914400" rtl="0" eaLnBrk="1" latinLnBrk="0" hangingPunct="1">
+              <a:defRPr sz="1800" kern="1200">
+                <a:solidFill>
+                  <a:schemeClr val="tx1"/>
+                </a:solidFill>
+                <a:latin typeface="+mn-lt"/>
+                <a:ea typeface="+mn-ea"/>
+                <a:cs typeface="+mn-cs"/>
+              </a:defRPr>
+            </a:lvl6pPr>
+            <a:lvl7pPr marL="2743200" algn="l" defTabSz="914400" rtl="0" eaLnBrk="1" latinLnBrk="0" hangingPunct="1">
+              <a:defRPr sz="1800" kern="1200">
+                <a:solidFill>
+                  <a:schemeClr val="tx1"/>
+                </a:solidFill>
+                <a:latin typeface="+mn-lt"/>
+                <a:ea typeface="+mn-ea"/>
+                <a:cs typeface="+mn-cs"/>
+              </a:defRPr>
+            </a:lvl7pPr>
+            <a:lvl8pPr marL="3200400" algn="l" defTabSz="914400" rtl="0" eaLnBrk="1" latinLnBrk="0" hangingPunct="1">
+              <a:defRPr sz="1800" kern="1200">
+                <a:solidFill>
+                  <a:schemeClr val="tx1"/>
+                </a:solidFill>
+                <a:latin typeface="+mn-lt"/>
+                <a:ea typeface="+mn-ea"/>
+                <a:cs typeface="+mn-cs"/>
+              </a:defRPr>
+            </a:lvl8pPr>
+            <a:lvl9pPr marL="3657600" algn="l" defTabSz="914400" rtl="0" eaLnBrk="1" latinLnBrk="0" hangingPunct="1">
+              <a:defRPr sz="1800" kern="1200">
+                <a:solidFill>
+                  <a:schemeClr val="tx1"/>
+                </a:solidFill>
+                <a:latin typeface="+mn-lt"/>
+                <a:ea typeface="+mn-ea"/>
+                <a:cs typeface="+mn-cs"/>
+              </a:defRPr>
+            </a:lvl9pPr>
+          </a:lstStyle>
+          <a:p>
+            <a:r>
+              <a:rPr lang="da-DK" dirty="0"/>
+              <a:t>Andreas Blaabjerg</a:t>
+            </a:r>
+          </a:p>
+        </p:txBody>
+      </p:sp>
+      <p:sp>
+        <p:nvSpPr>
+          <p:cNvPr id="5" name="Tekstfelt 4">
+            <a:extLst>
+              <a:ext uri="{FF2B5EF4-FFF2-40B4-BE49-F238E27FC236}">
+                <a16:creationId xmlns:a16="http://schemas.microsoft.com/office/drawing/2014/main" id="{D804F492-8374-4485-955B-E99756A53CF8}"/>
+              </a:ext>
+            </a:extLst>
+          </p:cNvPr>
+          <p:cNvSpPr txBox="1"/>
+          <p:nvPr/>
+        </p:nvSpPr>
+        <p:spPr>
+          <a:xfrm>
+            <a:off x="9587952" y="945133"/>
+            <a:ext cx="1237839" cy="369332"/>
+          </a:xfrm>
+          <a:prstGeom prst="rect">
+            <a:avLst/>
+          </a:prstGeom>
+          <a:noFill/>
+        </p:spPr>
+        <p:txBody>
+          <a:bodyPr wrap="none" rtlCol="0">
+            <a:spAutoFit/>
+          </a:bodyPr>
+          <a:lstStyle>
+            <a:defPPr>
+              <a:defRPr lang="da-DK"/>
+            </a:defPPr>
+            <a:lvl1pPr marL="0" algn="l" defTabSz="914400" rtl="0" eaLnBrk="1" latinLnBrk="0" hangingPunct="1">
+              <a:defRPr sz="1800" kern="1200">
+                <a:solidFill>
+                  <a:schemeClr val="tx1"/>
+                </a:solidFill>
+                <a:latin typeface="+mn-lt"/>
+                <a:ea typeface="+mn-ea"/>
+                <a:cs typeface="+mn-cs"/>
+              </a:defRPr>
+            </a:lvl1pPr>
+            <a:lvl2pPr marL="457200" algn="l" defTabSz="914400" rtl="0" eaLnBrk="1" latinLnBrk="0" hangingPunct="1">
+              <a:defRPr sz="1800" kern="1200">
+                <a:solidFill>
+                  <a:schemeClr val="tx1"/>
+                </a:solidFill>
+                <a:latin typeface="+mn-lt"/>
+                <a:ea typeface="+mn-ea"/>
+                <a:cs typeface="+mn-cs"/>
+              </a:defRPr>
+            </a:lvl2pPr>
+            <a:lvl3pPr marL="914400" algn="l" defTabSz="914400" rtl="0" eaLnBrk="1" latinLnBrk="0" hangingPunct="1">
+              <a:defRPr sz="1800" kern="1200">
+                <a:solidFill>
+                  <a:schemeClr val="tx1"/>
+                </a:solidFill>
+                <a:latin typeface="+mn-lt"/>
+                <a:ea typeface="+mn-ea"/>
+                <a:cs typeface="+mn-cs"/>
+              </a:defRPr>
+            </a:lvl3pPr>
+            <a:lvl4pPr marL="1371600" algn="l" defTabSz="914400" rtl="0" eaLnBrk="1" latinLnBrk="0" hangingPunct="1">
+              <a:defRPr sz="1800" kern="1200">
+                <a:solidFill>
+                  <a:schemeClr val="tx1"/>
+                </a:solidFill>
+                <a:latin typeface="+mn-lt"/>
+                <a:ea typeface="+mn-ea"/>
+                <a:cs typeface="+mn-cs"/>
+              </a:defRPr>
+            </a:lvl4pPr>
+            <a:lvl5pPr marL="1828800" algn="l" defTabSz="914400" rtl="0" eaLnBrk="1" latinLnBrk="0" hangingPunct="1">
+              <a:defRPr sz="1800" kern="1200">
+                <a:solidFill>
+                  <a:schemeClr val="tx1"/>
+                </a:solidFill>
+                <a:latin typeface="+mn-lt"/>
+                <a:ea typeface="+mn-ea"/>
+                <a:cs typeface="+mn-cs"/>
+              </a:defRPr>
+            </a:lvl5pPr>
+            <a:lvl6pPr marL="2286000" algn="l" defTabSz="914400" rtl="0" eaLnBrk="1" latinLnBrk="0" hangingPunct="1">
+              <a:defRPr sz="1800" kern="1200">
+                <a:solidFill>
+                  <a:schemeClr val="tx1"/>
+                </a:solidFill>
+                <a:latin typeface="+mn-lt"/>
+                <a:ea typeface="+mn-ea"/>
+                <a:cs typeface="+mn-cs"/>
+              </a:defRPr>
+            </a:lvl6pPr>
+            <a:lvl7pPr marL="2743200" algn="l" defTabSz="914400" rtl="0" eaLnBrk="1" latinLnBrk="0" hangingPunct="1">
+              <a:defRPr sz="1800" kern="1200">
+                <a:solidFill>
+                  <a:schemeClr val="tx1"/>
+                </a:solidFill>
+                <a:latin typeface="+mn-lt"/>
+                <a:ea typeface="+mn-ea"/>
+                <a:cs typeface="+mn-cs"/>
+              </a:defRPr>
+            </a:lvl7pPr>
+            <a:lvl8pPr marL="3200400" algn="l" defTabSz="914400" rtl="0" eaLnBrk="1" latinLnBrk="0" hangingPunct="1">
+              <a:defRPr sz="1800" kern="1200">
+                <a:solidFill>
+                  <a:schemeClr val="tx1"/>
+                </a:solidFill>
+                <a:latin typeface="+mn-lt"/>
+                <a:ea typeface="+mn-ea"/>
+                <a:cs typeface="+mn-cs"/>
+              </a:defRPr>
+            </a:lvl8pPr>
+            <a:lvl9pPr marL="3657600" algn="l" defTabSz="914400" rtl="0" eaLnBrk="1" latinLnBrk="0" hangingPunct="1">
+              <a:defRPr sz="1800" kern="1200">
+                <a:solidFill>
+                  <a:schemeClr val="tx1"/>
+                </a:solidFill>
+                <a:latin typeface="+mn-lt"/>
+                <a:ea typeface="+mn-ea"/>
+                <a:cs typeface="+mn-cs"/>
+              </a:defRPr>
+            </a:lvl9pPr>
+          </a:lstStyle>
+          <a:p>
+            <a:r>
+              <a:rPr lang="da-DK" dirty="0"/>
+              <a:t>201510924</a:t>
+            </a:r>
+          </a:p>
+        </p:txBody>
+      </p:sp>
     </p:spTree>
     <p:extLst>
       <p:ext uri="{BB962C8B-B14F-4D97-AF65-F5344CB8AC3E}">
@@ -6568,7 +6826,7 @@
                   <a:schemeClr val="bg1"/>
                 </a:solidFill>
               </a:rPr>
-              <a:t>Derfor er der mulighed for at bruge </a:t>
+              <a:t>Derfor er der mulighed for at bruge en </a:t>
             </a:r>
             <a:r>
               <a:rPr lang="da-DK" sz="2400" dirty="0" err="1">
@@ -7343,15 +7601,15 @@
             </a:r>
             <a:r>
               <a:rPr lang="da-DK" sz="2400" dirty="0"/>
-              <a:t> var </a:t>
-            </a:r>
-            <a:r>
-              <a:rPr lang="da-DK" sz="2400" dirty="0" err="1"/>
-              <a:t>tidliger</a:t>
+              <a:t> </a:t>
+            </a:r>
+            <a:r>
+              <a:rPr lang="da-DK" sz="2400"/>
+              <a:t>var tidligere </a:t>
             </a:r>
             <a:r>
               <a:rPr lang="da-DK" sz="2400" dirty="0"/>
-              <a:t> et Microsoft framework men er nu </a:t>
+              <a:t>et Microsoft framework men er nu </a:t>
             </a:r>
             <a:r>
               <a:rPr lang="da-DK" sz="2400" dirty="0" err="1"/>
